--- a/Images & Animation.pptx
+++ b/Images & Animation.pptx
@@ -118,6 +118,11 @@
       </a:defRPr>
     </a:lvl9pPr>
   </p:defaultTextStyle>
+  <p:extLst>
+    <p:ext uri="{EFAFB233-063F-42B5-8137-9DF3F51BA10A}">
+      <p15:sldGuideLst xmlns:p15="http://schemas.microsoft.com/office/powerpoint/2012/main"/>
+    </p:ext>
+  </p:extLst>
 </p:presentation>
 </file>
 
@@ -1069,6 +1074,13 @@
         </dgm:presLayoutVars>
       </dgm:prSet>
       <dgm:spPr/>
+      <dgm:t>
+        <a:bodyPr/>
+        <a:lstStyle/>
+        <a:p>
+          <a:endParaRPr lang="en-US"/>
+        </a:p>
+      </dgm:t>
     </dgm:pt>
     <dgm:pt modelId="{653EA703-14D7-4460-8F8B-BE2217E3832D}" type="pres">
       <dgm:prSet presAssocID="{73BDCE1F-27FC-4D3F-BCD2-B63BF0FF59EA}" presName="composite" presStyleCnt="0"/>
@@ -1122,6 +1134,13 @@
         </dgm:presLayoutVars>
       </dgm:prSet>
       <dgm:spPr/>
+      <dgm:t>
+        <a:bodyPr/>
+        <a:lstStyle/>
+        <a:p>
+          <a:endParaRPr lang="en-US"/>
+        </a:p>
+      </dgm:t>
     </dgm:pt>
     <dgm:pt modelId="{56236B38-6E98-468D-93A6-E777CBB25E0C}" type="pres">
       <dgm:prSet presAssocID="{97ABB93E-B8C9-4CDE-9F2C-F02903CEE7D3}" presName="rect1" presStyleLbl="alignImgPlace1" presStyleIdx="1" presStyleCnt="4"/>
@@ -1197,6 +1216,13 @@
         </dgm:presLayoutVars>
       </dgm:prSet>
       <dgm:spPr/>
+      <dgm:t>
+        <a:bodyPr/>
+        <a:lstStyle/>
+        <a:p>
+          <a:endParaRPr lang="en-US"/>
+        </a:p>
+      </dgm:t>
     </dgm:pt>
     <dgm:pt modelId="{D30C380D-FF44-4CBE-AB10-5726C50D006D}" type="pres">
       <dgm:prSet presAssocID="{9423D0F9-6BCA-472D-AFDB-0EF53C1FF481}" presName="rect1" presStyleLbl="alignImgPlace1" presStyleIdx="3" presStyleCnt="4"/>
@@ -3692,7 +3718,7 @@
             <a:fld id="{1E700B27-DE4C-4B9E-BB11-B9027034A00F}" type="datetimeFigureOut">
               <a:rPr lang="en-US" dirty="0"/>
               <a:pPr/>
-              <a:t>11/12/2018</a:t>
+              <a:t>11/13/2018</a:t>
             </a:fld>
             <a:endParaRPr lang="en-US" dirty="0"/>
           </a:p>
@@ -4812,7 +4838,7 @@
           <a:p>
             <a:fld id="{C40F4739-9812-4A9F-890D-2AD6BA5F6EE8}" type="datetimeFigureOut">
               <a:rPr lang="en-US" dirty="0"/>
-              <a:t>11/12/2018</a:t>
+              <a:t>11/13/2018</a:t>
             </a:fld>
             <a:endParaRPr lang="en-US" dirty="0"/>
           </a:p>
@@ -5823,7 +5849,7 @@
           <a:p>
             <a:fld id="{18845AC5-A3F8-44AA-BA8F-596CDCC976D3}" type="datetimeFigureOut">
               <a:rPr lang="en-US" dirty="0"/>
-              <a:t>11/12/2018</a:t>
+              <a:t>11/13/2018</a:t>
             </a:fld>
             <a:endParaRPr lang="en-US" dirty="0"/>
           </a:p>
@@ -6993,7 +7019,7 @@
           <a:p>
             <a:fld id="{C873B183-A821-4095-A363-9EC968635539}" type="datetimeFigureOut">
               <a:rPr lang="en-US" dirty="0"/>
-              <a:t>11/12/2018</a:t>
+              <a:t>11/13/2018</a:t>
             </a:fld>
             <a:endParaRPr lang="en-US" dirty="0"/>
           </a:p>
@@ -8054,7 +8080,7 @@
           <a:p>
             <a:fld id="{174D01B4-0AA5-45E6-B2E6-5FA4078AEBCF}" type="datetimeFigureOut">
               <a:rPr lang="en-US" dirty="0"/>
-              <a:t>11/12/2018</a:t>
+              <a:t>11/13/2018</a:t>
             </a:fld>
             <a:endParaRPr lang="en-US" dirty="0"/>
           </a:p>
@@ -8700,7 +8726,7 @@
           <a:p>
             <a:fld id="{4147335C-0450-40D7-8612-B3203BED4F28}" type="datetimeFigureOut">
               <a:rPr lang="en-US" dirty="0"/>
-              <a:t>11/12/2018</a:t>
+              <a:t>11/13/2018</a:t>
             </a:fld>
             <a:endParaRPr lang="en-US" dirty="0"/>
           </a:p>
@@ -9547,7 +9573,7 @@
           <a:p>
             <a:fld id="{D246A105-2A1C-4284-B4EA-07CF89B1A393}" type="datetimeFigureOut">
               <a:rPr lang="en-US" dirty="0"/>
-              <a:t>11/12/2018</a:t>
+              <a:t>11/13/2018</a:t>
             </a:fld>
             <a:endParaRPr lang="en-US" dirty="0"/>
           </a:p>
@@ -9722,7 +9748,7 @@
           <a:p>
             <a:fld id="{80DBE609-F3F2-45E6-BD6A-E03A8C86C1AE}" type="datetimeFigureOut">
               <a:rPr lang="en-US" dirty="0"/>
-              <a:t>11/12/2018</a:t>
+              <a:t>11/13/2018</a:t>
             </a:fld>
             <a:endParaRPr lang="en-US" dirty="0"/>
           </a:p>
@@ -10720,7 +10746,7 @@
           <a:p>
             <a:fld id="{7A24AD68-089C-4467-A8F3-EA2BBCA6B44E}" type="datetimeFigureOut">
               <a:rPr lang="en-US" dirty="0"/>
-              <a:t>11/12/2018</a:t>
+              <a:t>11/13/2018</a:t>
             </a:fld>
             <a:endParaRPr lang="en-US" dirty="0"/>
           </a:p>
@@ -10926,7 +10952,7 @@
           <a:p>
             <a:fld id="{75C51FCE-E4BB-4680-8E50-3C0E348D2609}" type="datetimeFigureOut">
               <a:rPr lang="en-US" dirty="0"/>
-              <a:t>11/12/2018</a:t>
+              <a:t>11/13/2018</a:t>
             </a:fld>
             <a:endParaRPr lang="en-US" dirty="0"/>
           </a:p>
@@ -11988,7 +12014,7 @@
           <a:p>
             <a:fld id="{8AAA073D-A903-47F8-8D16-77642FB0DF1F}" type="datetimeFigureOut">
               <a:rPr lang="en-US" dirty="0"/>
-              <a:t>11/12/2018</a:t>
+              <a:t>11/13/2018</a:t>
             </a:fld>
             <a:endParaRPr lang="en-US" dirty="0"/>
           </a:p>
@@ -12260,7 +12286,7 @@
           <a:p>
             <a:fld id="{AB91FA40-626B-4CA1-85D0-7A9016E395BA}" type="datetimeFigureOut">
               <a:rPr lang="en-US" dirty="0"/>
-              <a:t>11/12/2018</a:t>
+              <a:t>11/13/2018</a:t>
             </a:fld>
             <a:endParaRPr lang="en-US" dirty="0"/>
           </a:p>
@@ -12642,7 +12668,7 @@
           <a:p>
             <a:fld id="{C3F425EA-B9DC-48A7-991E-9A82573B1B21}" type="datetimeFigureOut">
               <a:rPr lang="en-US" dirty="0"/>
-              <a:t>11/12/2018</a:t>
+              <a:t>11/13/2018</a:t>
             </a:fld>
             <a:endParaRPr lang="en-US" dirty="0"/>
           </a:p>
@@ -12760,7 +12786,7 @@
           <a:p>
             <a:fld id="{66CB97F8-6CEB-469B-AFCC-889F2A2B1D5A}" type="datetimeFigureOut">
               <a:rPr lang="en-US" dirty="0"/>
-              <a:t>11/12/2018</a:t>
+              <a:t>11/13/2018</a:t>
             </a:fld>
             <a:endParaRPr lang="en-US" dirty="0"/>
           </a:p>
@@ -12855,7 +12881,7 @@
           <a:p>
             <a:fld id="{8FA9179F-009E-4FA5-B091-7EBB82A185BD}" type="datetimeFigureOut">
               <a:rPr lang="en-US" dirty="0"/>
-              <a:t>11/12/2018</a:t>
+              <a:t>11/13/2018</a:t>
             </a:fld>
             <a:endParaRPr lang="en-US" dirty="0"/>
           </a:p>
@@ -13964,7 +13990,7 @@
           <a:p>
             <a:fld id="{8E665CEB-0076-4E37-B880-BCEA9784DE0A}" type="datetimeFigureOut">
               <a:rPr lang="en-US" dirty="0"/>
-              <a:t>11/12/2018</a:t>
+              <a:t>11/13/2018</a:t>
             </a:fld>
             <a:endParaRPr lang="en-US" dirty="0"/>
           </a:p>
@@ -15097,7 +15123,7 @@
           <a:p>
             <a:fld id="{A6149E5E-3896-4118-99A7-7B85668F1C5E}" type="datetimeFigureOut">
               <a:rPr lang="en-US" dirty="0"/>
-              <a:t>11/12/2018</a:t>
+              <a:t>11/13/2018</a:t>
             </a:fld>
             <a:endParaRPr lang="en-US" dirty="0"/>
           </a:p>
@@ -16125,7 +16151,7 @@
           <a:p>
             <a:fld id="{7E0D914D-B099-4142-A885-11F276715148}" type="datetimeFigureOut">
               <a:rPr lang="en-US" dirty="0"/>
-              <a:t>11/12/2018</a:t>
+              <a:t>11/13/2018</a:t>
             </a:fld>
             <a:endParaRPr lang="en-US" dirty="0"/>
           </a:p>
@@ -17762,6 +17788,14 @@
               </a:rPr>
               <a:t>www.w3schools.com</a:t>
             </a:r>
+            <a:r>
+              <a:rPr lang="en-US" b="1" dirty="0" smtClean="0">
+                <a:solidFill>
+                  <a:schemeClr val="tx1"/>
+                </a:solidFill>
+              </a:rPr>
+              <a:t> </a:t>
+            </a:r>
             <a:endParaRPr lang="en-US" b="1" dirty="0" smtClean="0">
               <a:solidFill>
                 <a:schemeClr val="tx1"/>
@@ -18311,7 +18345,6 @@
               <a:rPr lang="en-US" dirty="0"/>
               <a:t>2</a:t>
             </a:r>
-            <a:endParaRPr lang="en-US" dirty="0"/>
           </a:p>
         </p:txBody>
       </p:sp>
@@ -18723,7 +18756,6 @@
               <a:rPr lang="en-US" dirty="0"/>
               <a:t>4</a:t>
             </a:r>
-            <a:endParaRPr lang="en-US" dirty="0"/>
           </a:p>
         </p:txBody>
       </p:sp>
@@ -19073,7 +19105,6 @@
               <a:rPr lang="en-US" dirty="0"/>
               <a:t>6</a:t>
             </a:r>
-            <a:endParaRPr lang="en-US" dirty="0"/>
           </a:p>
         </p:txBody>
       </p:sp>
@@ -19181,8 +19212,17 @@
           <a:p>
             <a:r>
               <a:rPr lang="en-US" dirty="0" smtClean="0"/>
-              <a:t>Ease (default)</a:t>
-            </a:r>
+              <a:t>Ease (</a:t>
+            </a:r>
+            <a:r>
+              <a:rPr lang="en-US" smtClean="0"/>
+              <a:t>default</a:t>
+            </a:r>
+            <a:r>
+              <a:rPr lang="en-US" smtClean="0"/>
+              <a:t>).</a:t>
+            </a:r>
+            <a:endParaRPr lang="en-US" dirty="0" smtClean="0"/>
           </a:p>
           <a:p>
             <a:r>

--- a/Images & Animation.pptx
+++ b/Images & Animation.pptx
@@ -17796,11 +17796,6 @@
               </a:rPr>
               <a:t> </a:t>
             </a:r>
-            <a:endParaRPr lang="en-US" b="1" dirty="0" smtClean="0">
-              <a:solidFill>
-                <a:schemeClr val="tx1"/>
-              </a:solidFill>
-            </a:endParaRPr>
           </a:p>
           <a:p>
             <a:r>
@@ -19212,23 +19207,23 @@
           <a:p>
             <a:r>
               <a:rPr lang="en-US" dirty="0" smtClean="0"/>
-              <a:t>Ease (</a:t>
+              <a:t>Ease (default).</a:t>
+            </a:r>
+          </a:p>
+          <a:p>
+            <a:r>
+              <a:rPr lang="en-US" dirty="0" smtClean="0"/>
+              <a:t>Linear (start to </a:t>
             </a:r>
             <a:r>
               <a:rPr lang="en-US" smtClean="0"/>
-              <a:t>default</a:t>
+              <a:t>end</a:t>
             </a:r>
             <a:r>
               <a:rPr lang="en-US" smtClean="0"/>
               <a:t>).</a:t>
             </a:r>
             <a:endParaRPr lang="en-US" dirty="0" smtClean="0"/>
-          </a:p>
-          <a:p>
-            <a:r>
-              <a:rPr lang="en-US" dirty="0" smtClean="0"/>
-              <a:t>Linear (start to end)</a:t>
-            </a:r>
           </a:p>
           <a:p>
             <a:r>

--- a/Images & Animation.pptx
+++ b/Images & Animation.pptx
@@ -17,9 +17,8 @@
     <p:sldId id="265" r:id="rId11"/>
     <p:sldId id="266" r:id="rId12"/>
     <p:sldId id="267" r:id="rId13"/>
-    <p:sldId id="268" r:id="rId14"/>
-    <p:sldId id="269" r:id="rId15"/>
-    <p:sldId id="270" r:id="rId16"/>
+    <p:sldId id="269" r:id="rId14"/>
+    <p:sldId id="270" r:id="rId15"/>
   </p:sldIdLst>
   <p:sldSz cx="12192000" cy="6858000"/>
   <p:notesSz cx="6858000" cy="9144000"/>
@@ -16850,44 +16849,60 @@
           </a:bodyPr>
           <a:lstStyle/>
           <a:p>
+            <a:r>
+              <a:rPr lang="en-US" sz="2000" dirty="0"/>
+              <a:t>Images are important to improve the design and the appearance for a webpage.</a:t>
+            </a:r>
+          </a:p>
+          <a:p>
+            <a:r>
+              <a:rPr lang="en-US" sz="2000" dirty="0"/>
+              <a:t>Images can be added through html and through css</a:t>
+            </a:r>
+          </a:p>
+          <a:p>
+            <a:r>
+              <a:rPr lang="en-US" sz="2000" dirty="0"/>
+              <a:t>Html: &lt;a href</a:t>
+            </a:r>
+            <a:r>
+              <a:rPr lang="en-US" sz="2000" dirty="0" smtClean="0"/>
+              <a:t>=“”</a:t>
+            </a:r>
+          </a:p>
+          <a:p>
+            <a:endParaRPr lang="en-US" sz="2000" dirty="0"/>
+          </a:p>
+          <a:p>
+            <a:r>
+              <a:rPr lang="en-US" sz="2000" dirty="0" smtClean="0"/>
+              <a:t>CSS </a:t>
+            </a:r>
+            <a:r>
+              <a:rPr lang="en-US" sz="2000" dirty="0"/>
+              <a:t>{ background-image: } which will repeat the image to </a:t>
+            </a:r>
+            <a:r>
+              <a:rPr lang="en-US" sz="2000" dirty="0" smtClean="0"/>
+              <a:t>fill </a:t>
+            </a:r>
+            <a:r>
+              <a:rPr lang="en-US" sz="2000" dirty="0"/>
+              <a:t>the background of the webpage. </a:t>
+            </a:r>
+          </a:p>
+          <a:p>
+            <a:endParaRPr lang="en-US" sz="2000" dirty="0"/>
+          </a:p>
+          <a:p>
             <a:pPr marL="0" indent="0">
               <a:buNone/>
             </a:pPr>
-            <a:r>
-              <a:rPr lang="en-US" sz="2000" b="1" dirty="0" smtClean="0">
-                <a:solidFill>
-                  <a:schemeClr val="accent1"/>
-                </a:solidFill>
-              </a:rPr>
-              <a:t>Border Radius:</a:t>
-            </a:r>
-            <a:endParaRPr lang="en-US" sz="2000" b="1" dirty="0">
+            <a:endParaRPr lang="en-US" sz="2000" b="1" dirty="0" smtClean="0">
               <a:solidFill>
                 <a:schemeClr val="accent1"/>
               </a:solidFill>
             </a:endParaRPr>
-          </a:p>
-          <a:p>
-            <a:r>
-              <a:rPr lang="en-US" sz="2000" dirty="0" smtClean="0"/>
-              <a:t>The border-radius  property defines the radius of the element’s corners.</a:t>
-            </a:r>
-          </a:p>
-          <a:p>
-            <a:endParaRPr lang="en-US" sz="2000" b="1" dirty="0"/>
-          </a:p>
-          <a:p>
-            <a:pPr marL="0" indent="0">
-              <a:buNone/>
-            </a:pPr>
-            <a:r>
-              <a:rPr lang="en-US" sz="2000" b="1" dirty="0" smtClean="0">
-                <a:solidFill>
-                  <a:schemeClr val="accent1"/>
-                </a:solidFill>
-              </a:rPr>
-              <a:t>Syntax:</a:t>
-            </a:r>
           </a:p>
           <a:p>
             <a:endParaRPr lang="en-US" sz="2000" b="1" dirty="0"/>
@@ -16921,58 +16936,6 @@
               <a:t>8</a:t>
             </a:r>
             <a:endParaRPr lang="en-US" dirty="0"/>
-          </a:p>
-        </p:txBody>
-      </p:sp>
-      <p:sp>
-        <p:nvSpPr>
-          <p:cNvPr id="5" name="Rectangle 4"/>
-          <p:cNvSpPr/>
-          <p:nvPr/>
-        </p:nvSpPr>
-        <p:spPr>
-          <a:xfrm>
-            <a:off x="2390151" y="5116332"/>
-            <a:ext cx="7526215" cy="797169"/>
-          </a:xfrm>
-          <a:prstGeom prst="rect">
-            <a:avLst/>
-          </a:prstGeom>
-        </p:spPr>
-        <p:style>
-          <a:lnRef idx="2">
-            <a:schemeClr val="accent1">
-              <a:shade val="50000"/>
-            </a:schemeClr>
-          </a:lnRef>
-          <a:fillRef idx="1">
-            <a:schemeClr val="accent1"/>
-          </a:fillRef>
-          <a:effectRef idx="0">
-            <a:schemeClr val="accent1"/>
-          </a:effectRef>
-          <a:fontRef idx="minor">
-            <a:schemeClr val="lt1"/>
-          </a:fontRef>
-        </p:style>
-        <p:txBody>
-          <a:bodyPr rtlCol="0" anchor="ctr"/>
-          <a:lstStyle/>
-          <a:p>
-            <a:pPr algn="ctr"/>
-            <a:r>
-              <a:rPr lang="en-US" dirty="0" smtClean="0">
-                <a:solidFill>
-                  <a:schemeClr val="tx1"/>
-                </a:solidFill>
-              </a:rPr>
-              <a:t>Border-radius: 1-4 length|% / 1-4 length|%|initial|inherit;</a:t>
-            </a:r>
-            <a:endParaRPr lang="en-US" dirty="0">
-              <a:solidFill>
-                <a:schemeClr val="tx1"/>
-              </a:solidFill>
-            </a:endParaRPr>
           </a:p>
         </p:txBody>
       </p:sp>
@@ -17401,14 +17364,11 @@
             <a:pPr marL="0" indent="0">
               <a:buNone/>
             </a:pPr>
-            <a:r>
-              <a:rPr lang="en-US" b="1" dirty="0" smtClean="0">
-                <a:solidFill>
-                  <a:schemeClr val="accent1"/>
-                </a:solidFill>
-              </a:rPr>
-              <a:t>Links:</a:t>
-            </a:r>
+            <a:endParaRPr lang="en-US" b="1" dirty="0" smtClean="0">
+              <a:solidFill>
+                <a:schemeClr val="accent1"/>
+              </a:solidFill>
+            </a:endParaRPr>
           </a:p>
           <a:p>
             <a:pPr marL="0" indent="0">
@@ -17632,7 +17592,7 @@
             <a:pPr algn="ctr"/>
             <a:r>
               <a:rPr lang="en-US" b="1" dirty="0" smtClean="0"/>
-              <a:t>Day &amp; Night Animation</a:t>
+              <a:t>References</a:t>
             </a:r>
             <a:endParaRPr lang="en-US" b="1" dirty="0"/>
           </a:p>
@@ -17653,17 +17613,36 @@
           <a:bodyPr/>
           <a:lstStyle/>
           <a:p>
-            <a:pPr marL="0" indent="0">
-              <a:buNone/>
-            </a:pPr>
             <a:r>
               <a:rPr lang="en-US" b="1" dirty="0" smtClean="0">
                 <a:solidFill>
-                  <a:schemeClr val="accent1"/>
+                  <a:schemeClr val="tx1"/>
                 </a:solidFill>
+                <a:hlinkClick r:id="rId2"/>
               </a:rPr>
-              <a:t>Link:</a:t>
-            </a:r>
+              <a:t>www.w3schools.com</a:t>
+            </a:r>
+            <a:endParaRPr lang="en-US" b="1" dirty="0" smtClean="0">
+              <a:solidFill>
+                <a:schemeClr val="tx1"/>
+              </a:solidFill>
+            </a:endParaRPr>
+          </a:p>
+          <a:p>
+            <a:r>
+              <a:rPr lang="en-US" b="1" dirty="0" smtClean="0">
+                <a:solidFill>
+                  <a:schemeClr val="tx1"/>
+                </a:solidFill>
+                <a:hlinkClick r:id="rId3"/>
+              </a:rPr>
+              <a:t>www.webdesign.tutsplus.com</a:t>
+            </a:r>
+            <a:endParaRPr lang="en-US" b="1" dirty="0" smtClean="0">
+              <a:solidFill>
+                <a:schemeClr val="tx1"/>
+              </a:solidFill>
+            </a:endParaRPr>
           </a:p>
           <a:p>
             <a:pPr marL="0" indent="0">
@@ -17697,154 +17676,6 @@
           <a:p>
             <a:r>
               <a:rPr lang="en-US" dirty="0" smtClean="0"/>
-              <a:t>11</a:t>
-            </a:r>
-            <a:endParaRPr lang="en-US" dirty="0"/>
-          </a:p>
-        </p:txBody>
-      </p:sp>
-    </p:spTree>
-    <p:extLst>
-      <p:ext uri="{BB962C8B-B14F-4D97-AF65-F5344CB8AC3E}">
-        <p14:creationId xmlns:p14="http://schemas.microsoft.com/office/powerpoint/2010/main" val="40990642"/>
-      </p:ext>
-    </p:extLst>
-  </p:cSld>
-  <p:clrMapOvr>
-    <a:masterClrMapping/>
-  </p:clrMapOvr>
-  <p:timing>
-    <p:tnLst>
-      <p:par>
-        <p:cTn id="1" dur="indefinite" restart="never" nodeType="tmRoot"/>
-      </p:par>
-    </p:tnLst>
-  </p:timing>
-</p:sld>
-</file>
-
-<file path=ppt/slides/slide14.xml><?xml version="1.0" encoding="utf-8"?>
-<p:sld xmlns:a="http://schemas.openxmlformats.org/drawingml/2006/main" xmlns:r="http://schemas.openxmlformats.org/officeDocument/2006/relationships" xmlns:p="http://schemas.openxmlformats.org/presentationml/2006/main">
-  <p:cSld>
-    <p:spTree>
-      <p:nvGrpSpPr>
-        <p:cNvPr id="1" name=""/>
-        <p:cNvGrpSpPr/>
-        <p:nvPr/>
-      </p:nvGrpSpPr>
-      <p:grpSpPr>
-        <a:xfrm>
-          <a:off x="0" y="0"/>
-          <a:ext cx="0" cy="0"/>
-          <a:chOff x="0" y="0"/>
-          <a:chExt cx="0" cy="0"/>
-        </a:xfrm>
-      </p:grpSpPr>
-      <p:sp>
-        <p:nvSpPr>
-          <p:cNvPr id="2" name="Title 1"/>
-          <p:cNvSpPr>
-            <a:spLocks noGrp="1"/>
-          </p:cNvSpPr>
-          <p:nvPr>
-            <p:ph type="title"/>
-          </p:nvPr>
-        </p:nvSpPr>
-        <p:spPr/>
-        <p:txBody>
-          <a:bodyPr/>
-          <a:lstStyle/>
-          <a:p>
-            <a:pPr algn="ctr"/>
-            <a:r>
-              <a:rPr lang="en-US" b="1" dirty="0" smtClean="0"/>
-              <a:t>References</a:t>
-            </a:r>
-            <a:endParaRPr lang="en-US" b="1" dirty="0"/>
-          </a:p>
-        </p:txBody>
-      </p:sp>
-      <p:sp>
-        <p:nvSpPr>
-          <p:cNvPr id="3" name="Content Placeholder 2"/>
-          <p:cNvSpPr>
-            <a:spLocks noGrp="1"/>
-          </p:cNvSpPr>
-          <p:nvPr>
-            <p:ph idx="1"/>
-          </p:nvPr>
-        </p:nvSpPr>
-        <p:spPr/>
-        <p:txBody>
-          <a:bodyPr/>
-          <a:lstStyle/>
-          <a:p>
-            <a:r>
-              <a:rPr lang="en-US" b="1" dirty="0" smtClean="0">
-                <a:solidFill>
-                  <a:schemeClr val="tx1"/>
-                </a:solidFill>
-                <a:hlinkClick r:id="rId2"/>
-              </a:rPr>
-              <a:t>www.w3schools.com</a:t>
-            </a:r>
-            <a:r>
-              <a:rPr lang="en-US" b="1" dirty="0" smtClean="0">
-                <a:solidFill>
-                  <a:schemeClr val="tx1"/>
-                </a:solidFill>
-              </a:rPr>
-              <a:t> </a:t>
-            </a:r>
-          </a:p>
-          <a:p>
-            <a:r>
-              <a:rPr lang="en-US" b="1" dirty="0" smtClean="0">
-                <a:solidFill>
-                  <a:schemeClr val="tx1"/>
-                </a:solidFill>
-                <a:hlinkClick r:id="rId3"/>
-              </a:rPr>
-              <a:t>www.webdesign.tutsplus.com</a:t>
-            </a:r>
-            <a:endParaRPr lang="en-US" b="1" dirty="0" smtClean="0">
-              <a:solidFill>
-                <a:schemeClr val="tx1"/>
-              </a:solidFill>
-            </a:endParaRPr>
-          </a:p>
-          <a:p>
-            <a:pPr marL="0" indent="0">
-              <a:buNone/>
-            </a:pPr>
-            <a:endParaRPr lang="en-US" dirty="0"/>
-          </a:p>
-        </p:txBody>
-      </p:sp>
-      <p:sp>
-        <p:nvSpPr>
-          <p:cNvPr id="4" name="TextBox 3"/>
-          <p:cNvSpPr txBox="1"/>
-          <p:nvPr/>
-        </p:nvSpPr>
-        <p:spPr>
-          <a:xfrm>
-            <a:off x="10540313" y="604336"/>
-            <a:ext cx="457200" cy="369332"/>
-          </a:xfrm>
-          <a:prstGeom prst="rect">
-            <a:avLst/>
-          </a:prstGeom>
-          <a:noFill/>
-        </p:spPr>
-        <p:txBody>
-          <a:bodyPr wrap="square" rtlCol="0">
-            <a:spAutoFit/>
-          </a:bodyPr>
-          <a:lstStyle/>
-          <a:p>
-            <a:r>
-              <a:rPr lang="en-US" dirty="0" smtClean="0"/>
               <a:t>12</a:t>
             </a:r>
             <a:endParaRPr lang="en-US" dirty="0"/>
@@ -17871,7 +17702,7 @@
 </p:sld>
 </file>
 
-<file path=ppt/slides/slide15.xml><?xml version="1.0" encoding="utf-8"?>
+<file path=ppt/slides/slide14.xml><?xml version="1.0" encoding="utf-8"?>
 <p:sld xmlns:a="http://schemas.openxmlformats.org/drawingml/2006/main" xmlns:r="http://schemas.openxmlformats.org/officeDocument/2006/relationships" xmlns:p="http://schemas.openxmlformats.org/presentationml/2006/main">
   <p:cSld>
     <p:spTree>
@@ -19024,24 +18855,11 @@
             <a:pPr marL="0" indent="0">
               <a:buNone/>
             </a:pPr>
-            <a:endParaRPr lang="en-US" b="1" dirty="0">
+            <a:endParaRPr lang="en-US" b="1" dirty="0" smtClean="0">
               <a:solidFill>
                 <a:schemeClr val="accent1"/>
               </a:solidFill>
             </a:endParaRPr>
-          </a:p>
-          <a:p>
-            <a:pPr marL="0" indent="0">
-              <a:buNone/>
-            </a:pPr>
-            <a:r>
-              <a:rPr lang="en-US" b="1" dirty="0" smtClean="0">
-                <a:solidFill>
-                  <a:schemeClr val="accent1"/>
-                </a:solidFill>
-              </a:rPr>
-              <a:t>Link for Animation:</a:t>
-            </a:r>
           </a:p>
           <a:p>
             <a:pPr marL="0" indent="0">
@@ -19188,8 +19006,24 @@
           <a:p>
             <a:r>
               <a:rPr lang="en-US" dirty="0" smtClean="0"/>
-              <a:t>The animation-timing-function property specifies the speed curve of the animation.</a:t>
-            </a:r>
+              <a:t>The animation-timing-function property specifies the speed curve of the animation</a:t>
+            </a:r>
+            <a:r>
+              <a:rPr lang="en-US" dirty="0" smtClean="0"/>
+              <a:t>.</a:t>
+            </a:r>
+          </a:p>
+          <a:p>
+            <a:pPr marL="0" indent="0">
+              <a:buNone/>
+            </a:pPr>
+            <a:endParaRPr lang="en-US" dirty="0"/>
+          </a:p>
+          <a:p>
+            <a:pPr marL="0" indent="0">
+              <a:buNone/>
+            </a:pPr>
+            <a:endParaRPr lang="en-US" dirty="0" smtClean="0"/>
           </a:p>
           <a:p>
             <a:pPr marL="0" indent="0">
@@ -19207,23 +19041,14 @@
           <a:p>
             <a:r>
               <a:rPr lang="en-US" dirty="0" smtClean="0"/>
-              <a:t>Ease (default).</a:t>
+              <a:t>Ease (default)</a:t>
             </a:r>
           </a:p>
           <a:p>
             <a:r>
               <a:rPr lang="en-US" dirty="0" smtClean="0"/>
-              <a:t>Linear (start to </a:t>
-            </a:r>
-            <a:r>
-              <a:rPr lang="en-US" smtClean="0"/>
-              <a:t>end</a:t>
-            </a:r>
-            <a:r>
-              <a:rPr lang="en-US" smtClean="0"/>
-              <a:t>).</a:t>
-            </a:r>
-            <a:endParaRPr lang="en-US" dirty="0" smtClean="0"/>
+              <a:t>Linear (start to end)</a:t>
+            </a:r>
           </a:p>
           <a:p>
             <a:r>
@@ -19253,14 +19078,11 @@
             <a:pPr marL="0" indent="0">
               <a:buNone/>
             </a:pPr>
-            <a:r>
-              <a:rPr lang="en-US" b="1" dirty="0" smtClean="0">
-                <a:solidFill>
-                  <a:schemeClr val="accent1"/>
-                </a:solidFill>
-              </a:rPr>
-              <a:t>Link to Animation:</a:t>
-            </a:r>
+            <a:endParaRPr lang="en-US" b="1" dirty="0" smtClean="0">
+              <a:solidFill>
+                <a:schemeClr val="accent1"/>
+              </a:solidFill>
+            </a:endParaRPr>
           </a:p>
           <a:p>
             <a:pPr marL="0" indent="0">

--- a/Images & Animation.pptx
+++ b/Images & Animation.pptx
@@ -18836,14 +18836,16 @@
           <a:p>
             <a:r>
               <a:rPr lang="en-US" dirty="0" smtClean="0"/>
-              <a:t>Animation-fill-mode</a:t>
-            </a:r>
-          </a:p>
-          <a:p>
-            <a:r>
-              <a:rPr lang="en-US" dirty="0" smtClean="0"/>
-              <a:t>Animation-iteration-count</a:t>
-            </a:r>
+              <a:t>Animation-fill-mode.</a:t>
+            </a:r>
+            <a:endParaRPr lang="en-US" dirty="0" smtClean="0"/>
+          </a:p>
+          <a:p>
+            <a:r>
+              <a:rPr lang="en-US" smtClean="0"/>
+              <a:t>Animation-iteration-count.</a:t>
+            </a:r>
+            <a:endParaRPr lang="en-US" dirty="0" smtClean="0"/>
           </a:p>
           <a:p>
             <a:r>
@@ -19006,11 +19008,7 @@
           <a:p>
             <a:r>
               <a:rPr lang="en-US" dirty="0" smtClean="0"/>
-              <a:t>The animation-timing-function property specifies the speed curve of the animation</a:t>
-            </a:r>
-            <a:r>
-              <a:rPr lang="en-US" dirty="0" smtClean="0"/>
-              <a:t>.</a:t>
+              <a:t>The animation-timing-function property specifies the speed curve of the animation.</a:t>
             </a:r>
           </a:p>
           <a:p>
